--- a/project/project.pptx
+++ b/project/project.pptx
@@ -3040,6 +3040,13 @@
   <p:clrMapOvr>
     <a:masterClrMapping/>
   </p:clrMapOvr>
+  <p:timing>
+    <p:tnLst>
+      <p:par>
+        <p:cTn id="1" dur="indefinite" restart="never" nodeType="tmRoot"/>
+      </p:par>
+    </p:tnLst>
+  </p:timing>
 </p:sld>
 </file>
 
@@ -3324,6 +3331,13 @@
   <p:clrMapOvr>
     <a:masterClrMapping/>
   </p:clrMapOvr>
+  <p:timing>
+    <p:tnLst>
+      <p:par>
+        <p:cTn id="1" dur="indefinite" restart="never" nodeType="tmRoot"/>
+      </p:par>
+    </p:tnLst>
+  </p:timing>
 </p:sld>
 </file>
 
@@ -3361,7 +3375,11 @@
           <a:p>
             <a:r>
               <a:rPr lang="zh-CN" altLang="en-US" dirty="0" smtClean="0"/>
-              <a:t>学生打分规则</a:t>
+              <a:t>同学打分</a:t>
+            </a:r>
+            <a:r>
+              <a:rPr lang="zh-CN" altLang="en-US" dirty="0" smtClean="0"/>
+              <a:t>规则</a:t>
             </a:r>
             <a:endParaRPr lang="zh-CN" altLang="en-US" dirty="0"/>
           </a:p>
@@ -3662,6 +3680,13 @@
   <p:clrMapOvr>
     <a:masterClrMapping/>
   </p:clrMapOvr>
+  <p:timing>
+    <p:tnLst>
+      <p:par>
+        <p:cTn id="1" dur="indefinite" restart="never" nodeType="tmRoot"/>
+      </p:par>
+    </p:tnLst>
+  </p:timing>
 </p:sld>
 </file>
 
@@ -3803,6 +3828,13 @@
   <p:clrMapOvr>
     <a:masterClrMapping/>
   </p:clrMapOvr>
+  <p:timing>
+    <p:tnLst>
+      <p:par>
+        <p:cTn id="1" dur="indefinite" restart="never" nodeType="tmRoot"/>
+      </p:par>
+    </p:tnLst>
+  </p:timing>
 </p:sld>
 </file>
 
@@ -3901,11 +3933,7 @@
             </a:pPr>
             <a:r>
               <a:rPr lang="zh-CN" altLang="en-US" dirty="0" smtClean="0"/>
-              <a:t>斗</a:t>
-            </a:r>
-            <a:r>
-              <a:rPr lang="zh-CN" altLang="en-US" dirty="0" smtClean="0"/>
-              <a:t>地主</a:t>
+              <a:t>斗地主</a:t>
             </a:r>
             <a:endParaRPr lang="en-US" altLang="zh-CN" dirty="0" smtClean="0"/>
           </a:p>
@@ -4010,6 +4038,13 @@
   <p:clrMapOvr>
     <a:masterClrMapping/>
   </p:clrMapOvr>
+  <p:timing>
+    <p:tnLst>
+      <p:par>
+        <p:cTn id="1" dur="indefinite" restart="never" nodeType="tmRoot"/>
+      </p:par>
+    </p:tnLst>
+  </p:timing>
 </p:sld>
 </file>
 
@@ -4146,6 +4181,13 @@
   <p:clrMapOvr>
     <a:masterClrMapping/>
   </p:clrMapOvr>
+  <p:timing>
+    <p:tnLst>
+      <p:par>
+        <p:cTn id="1" dur="indefinite" restart="never" nodeType="tmRoot"/>
+      </p:par>
+    </p:tnLst>
+  </p:timing>
 </p:sld>
 </file>
 
@@ -4297,6 +4339,13 @@
   <p:clrMapOvr>
     <a:masterClrMapping/>
   </p:clrMapOvr>
+  <p:timing>
+    <p:tnLst>
+      <p:par>
+        <p:cTn id="1" dur="indefinite" restart="never" nodeType="tmRoot"/>
+      </p:par>
+    </p:tnLst>
+  </p:timing>
 </p:sld>
 </file>
 

--- a/project/project.pptx
+++ b/project/project.pptx
@@ -249,7 +249,7 @@
           <a:p>
             <a:fld id="{09905CEA-3EA2-40F4-B7FC-EF360F2B0BDF}" type="datetimeFigureOut">
               <a:rPr lang="zh-CN" altLang="en-US" smtClean="0"/>
-              <a:t>2018/10/15</a:t>
+              <a:t>2018/10/18</a:t>
             </a:fld>
             <a:endParaRPr lang="zh-CN" altLang="en-US"/>
           </a:p>
@@ -419,7 +419,7 @@
           <a:p>
             <a:fld id="{09905CEA-3EA2-40F4-B7FC-EF360F2B0BDF}" type="datetimeFigureOut">
               <a:rPr lang="zh-CN" altLang="en-US" smtClean="0"/>
-              <a:t>2018/10/15</a:t>
+              <a:t>2018/10/18</a:t>
             </a:fld>
             <a:endParaRPr lang="zh-CN" altLang="en-US"/>
           </a:p>
@@ -599,7 +599,7 @@
           <a:p>
             <a:fld id="{09905CEA-3EA2-40F4-B7FC-EF360F2B0BDF}" type="datetimeFigureOut">
               <a:rPr lang="zh-CN" altLang="en-US" smtClean="0"/>
-              <a:t>2018/10/15</a:t>
+              <a:t>2018/10/18</a:t>
             </a:fld>
             <a:endParaRPr lang="zh-CN" altLang="en-US"/>
           </a:p>
@@ -769,7 +769,7 @@
           <a:p>
             <a:fld id="{09905CEA-3EA2-40F4-B7FC-EF360F2B0BDF}" type="datetimeFigureOut">
               <a:rPr lang="zh-CN" altLang="en-US" smtClean="0"/>
-              <a:t>2018/10/15</a:t>
+              <a:t>2018/10/18</a:t>
             </a:fld>
             <a:endParaRPr lang="zh-CN" altLang="en-US"/>
           </a:p>
@@ -1015,7 +1015,7 @@
           <a:p>
             <a:fld id="{09905CEA-3EA2-40F4-B7FC-EF360F2B0BDF}" type="datetimeFigureOut">
               <a:rPr lang="zh-CN" altLang="en-US" smtClean="0"/>
-              <a:t>2018/10/15</a:t>
+              <a:t>2018/10/18</a:t>
             </a:fld>
             <a:endParaRPr lang="zh-CN" altLang="en-US"/>
           </a:p>
@@ -1247,7 +1247,7 @@
           <a:p>
             <a:fld id="{09905CEA-3EA2-40F4-B7FC-EF360F2B0BDF}" type="datetimeFigureOut">
               <a:rPr lang="zh-CN" altLang="en-US" smtClean="0"/>
-              <a:t>2018/10/15</a:t>
+              <a:t>2018/10/18</a:t>
             </a:fld>
             <a:endParaRPr lang="zh-CN" altLang="en-US"/>
           </a:p>
@@ -1614,7 +1614,7 @@
           <a:p>
             <a:fld id="{09905CEA-3EA2-40F4-B7FC-EF360F2B0BDF}" type="datetimeFigureOut">
               <a:rPr lang="zh-CN" altLang="en-US" smtClean="0"/>
-              <a:t>2018/10/15</a:t>
+              <a:t>2018/10/18</a:t>
             </a:fld>
             <a:endParaRPr lang="zh-CN" altLang="en-US"/>
           </a:p>
@@ -1732,7 +1732,7 @@
           <a:p>
             <a:fld id="{09905CEA-3EA2-40F4-B7FC-EF360F2B0BDF}" type="datetimeFigureOut">
               <a:rPr lang="zh-CN" altLang="en-US" smtClean="0"/>
-              <a:t>2018/10/15</a:t>
+              <a:t>2018/10/18</a:t>
             </a:fld>
             <a:endParaRPr lang="zh-CN" altLang="en-US"/>
           </a:p>
@@ -1827,7 +1827,7 @@
           <a:p>
             <a:fld id="{09905CEA-3EA2-40F4-B7FC-EF360F2B0BDF}" type="datetimeFigureOut">
               <a:rPr lang="zh-CN" altLang="en-US" smtClean="0"/>
-              <a:t>2018/10/15</a:t>
+              <a:t>2018/10/18</a:t>
             </a:fld>
             <a:endParaRPr lang="zh-CN" altLang="en-US"/>
           </a:p>
@@ -2104,7 +2104,7 @@
           <a:p>
             <a:fld id="{09905CEA-3EA2-40F4-B7FC-EF360F2B0BDF}" type="datetimeFigureOut">
               <a:rPr lang="zh-CN" altLang="en-US" smtClean="0"/>
-              <a:t>2018/10/15</a:t>
+              <a:t>2018/10/18</a:t>
             </a:fld>
             <a:endParaRPr lang="zh-CN" altLang="en-US"/>
           </a:p>
@@ -2357,7 +2357,7 @@
           <a:p>
             <a:fld id="{09905CEA-3EA2-40F4-B7FC-EF360F2B0BDF}" type="datetimeFigureOut">
               <a:rPr lang="zh-CN" altLang="en-US" smtClean="0"/>
-              <a:t>2018/10/15</a:t>
+              <a:t>2018/10/18</a:t>
             </a:fld>
             <a:endParaRPr lang="zh-CN" altLang="en-US"/>
           </a:p>
@@ -2570,7 +2570,7 @@
           <a:p>
             <a:fld id="{09905CEA-3EA2-40F4-B7FC-EF360F2B0BDF}" type="datetimeFigureOut">
               <a:rPr lang="zh-CN" altLang="en-US" smtClean="0"/>
-              <a:t>2018/10/15</a:t>
+              <a:t>2018/10/18</a:t>
             </a:fld>
             <a:endParaRPr lang="zh-CN" altLang="en-US"/>
           </a:p>
@@ -3230,7 +3230,7 @@
         <p:spPr>
           <a:xfrm>
             <a:off x="3170043" y="3414248"/>
-            <a:ext cx="2638864" cy="369332"/>
+            <a:ext cx="3116559" cy="369332"/>
           </a:xfrm>
           <a:prstGeom prst="rect">
             <a:avLst/>
@@ -3244,7 +3244,11 @@
           <a:lstStyle/>
           <a:p>
             <a:r>
-              <a:rPr lang="zh-CN" altLang="en-US" dirty="0"/>
+              <a:rPr lang="zh-CN" altLang="en-US" dirty="0" smtClean="0"/>
+              <a:t>其它</a:t>
+            </a:r>
+            <a:r>
+              <a:rPr lang="zh-CN" altLang="en-US" dirty="0" smtClean="0"/>
               <a:t>同学</a:t>
             </a:r>
             <a:r>
@@ -3375,11 +3379,7 @@
           <a:p>
             <a:r>
               <a:rPr lang="zh-CN" altLang="en-US" dirty="0" smtClean="0"/>
-              <a:t>同学打分</a:t>
-            </a:r>
-            <a:r>
-              <a:rPr lang="zh-CN" altLang="en-US" dirty="0" smtClean="0"/>
-              <a:t>规则</a:t>
+              <a:t>同学打分规则</a:t>
             </a:r>
             <a:endParaRPr lang="zh-CN" altLang="en-US" dirty="0"/>
           </a:p>
@@ -3891,7 +3891,7 @@
         <p:spPr/>
         <p:txBody>
           <a:bodyPr>
-            <a:normAutofit fontScale="92500" lnSpcReduction="10000"/>
+            <a:normAutofit fontScale="92500" lnSpcReduction="20000"/>
           </a:bodyPr>
           <a:lstStyle/>
           <a:p>
@@ -3942,8 +3942,22 @@
               <a:buAutoNum type="arabicPeriod" startAt="4"/>
             </a:pPr>
             <a:r>
-              <a:rPr lang="zh-CN" altLang="en-US" smtClean="0"/>
-              <a:t>雷霆战机</a:t>
+              <a:rPr lang="zh-CN" altLang="en-US" dirty="0" smtClean="0"/>
+              <a:t>雷霆</a:t>
+            </a:r>
+            <a:r>
+              <a:rPr lang="zh-CN" altLang="en-US" dirty="0" smtClean="0"/>
+              <a:t>战机</a:t>
+            </a:r>
+            <a:endParaRPr lang="en-US" altLang="zh-CN" dirty="0" smtClean="0"/>
+          </a:p>
+          <a:p>
+            <a:pPr marL="514350" indent="-514350">
+              <a:buAutoNum type="arabicPeriod" startAt="4"/>
+            </a:pPr>
+            <a:r>
+              <a:rPr lang="zh-CN" altLang="en-US" smtClean="0"/>
+              <a:t>数独</a:t>
             </a:r>
             <a:endParaRPr lang="en-US" altLang="zh-CN" dirty="0" smtClean="0"/>
           </a:p>
@@ -4225,7 +4239,11 @@
           <a:p>
             <a:r>
               <a:rPr lang="zh-CN" altLang="en-US" dirty="0" smtClean="0"/>
-              <a:t>邮件客服端</a:t>
+              <a:t>邮件</a:t>
+            </a:r>
+            <a:r>
+              <a:rPr lang="zh-CN" altLang="en-US" dirty="0" smtClean="0"/>
+              <a:t>客户端</a:t>
             </a:r>
             <a:endParaRPr lang="zh-CN" altLang="en-US" dirty="0"/>
           </a:p>

--- a/project/project.pptx
+++ b/project/project.pptx
@@ -249,7 +249,7 @@
           <a:p>
             <a:fld id="{09905CEA-3EA2-40F4-B7FC-EF360F2B0BDF}" type="datetimeFigureOut">
               <a:rPr lang="zh-CN" altLang="en-US" smtClean="0"/>
-              <a:t>2018/10/18</a:t>
+              <a:t>2018/11/1</a:t>
             </a:fld>
             <a:endParaRPr lang="zh-CN" altLang="en-US"/>
           </a:p>
@@ -419,7 +419,7 @@
           <a:p>
             <a:fld id="{09905CEA-3EA2-40F4-B7FC-EF360F2B0BDF}" type="datetimeFigureOut">
               <a:rPr lang="zh-CN" altLang="en-US" smtClean="0"/>
-              <a:t>2018/10/18</a:t>
+              <a:t>2018/11/1</a:t>
             </a:fld>
             <a:endParaRPr lang="zh-CN" altLang="en-US"/>
           </a:p>
@@ -599,7 +599,7 @@
           <a:p>
             <a:fld id="{09905CEA-3EA2-40F4-B7FC-EF360F2B0BDF}" type="datetimeFigureOut">
               <a:rPr lang="zh-CN" altLang="en-US" smtClean="0"/>
-              <a:t>2018/10/18</a:t>
+              <a:t>2018/11/1</a:t>
             </a:fld>
             <a:endParaRPr lang="zh-CN" altLang="en-US"/>
           </a:p>
@@ -769,7 +769,7 @@
           <a:p>
             <a:fld id="{09905CEA-3EA2-40F4-B7FC-EF360F2B0BDF}" type="datetimeFigureOut">
               <a:rPr lang="zh-CN" altLang="en-US" smtClean="0"/>
-              <a:t>2018/10/18</a:t>
+              <a:t>2018/11/1</a:t>
             </a:fld>
             <a:endParaRPr lang="zh-CN" altLang="en-US"/>
           </a:p>
@@ -1015,7 +1015,7 @@
           <a:p>
             <a:fld id="{09905CEA-3EA2-40F4-B7FC-EF360F2B0BDF}" type="datetimeFigureOut">
               <a:rPr lang="zh-CN" altLang="en-US" smtClean="0"/>
-              <a:t>2018/10/18</a:t>
+              <a:t>2018/11/1</a:t>
             </a:fld>
             <a:endParaRPr lang="zh-CN" altLang="en-US"/>
           </a:p>
@@ -1247,7 +1247,7 @@
           <a:p>
             <a:fld id="{09905CEA-3EA2-40F4-B7FC-EF360F2B0BDF}" type="datetimeFigureOut">
               <a:rPr lang="zh-CN" altLang="en-US" smtClean="0"/>
-              <a:t>2018/10/18</a:t>
+              <a:t>2018/11/1</a:t>
             </a:fld>
             <a:endParaRPr lang="zh-CN" altLang="en-US"/>
           </a:p>
@@ -1614,7 +1614,7 @@
           <a:p>
             <a:fld id="{09905CEA-3EA2-40F4-B7FC-EF360F2B0BDF}" type="datetimeFigureOut">
               <a:rPr lang="zh-CN" altLang="en-US" smtClean="0"/>
-              <a:t>2018/10/18</a:t>
+              <a:t>2018/11/1</a:t>
             </a:fld>
             <a:endParaRPr lang="zh-CN" altLang="en-US"/>
           </a:p>
@@ -1732,7 +1732,7 @@
           <a:p>
             <a:fld id="{09905CEA-3EA2-40F4-B7FC-EF360F2B0BDF}" type="datetimeFigureOut">
               <a:rPr lang="zh-CN" altLang="en-US" smtClean="0"/>
-              <a:t>2018/10/18</a:t>
+              <a:t>2018/11/1</a:t>
             </a:fld>
             <a:endParaRPr lang="zh-CN" altLang="en-US"/>
           </a:p>
@@ -1827,7 +1827,7 @@
           <a:p>
             <a:fld id="{09905CEA-3EA2-40F4-B7FC-EF360F2B0BDF}" type="datetimeFigureOut">
               <a:rPr lang="zh-CN" altLang="en-US" smtClean="0"/>
-              <a:t>2018/10/18</a:t>
+              <a:t>2018/11/1</a:t>
             </a:fld>
             <a:endParaRPr lang="zh-CN" altLang="en-US"/>
           </a:p>
@@ -2104,7 +2104,7 @@
           <a:p>
             <a:fld id="{09905CEA-3EA2-40F4-B7FC-EF360F2B0BDF}" type="datetimeFigureOut">
               <a:rPr lang="zh-CN" altLang="en-US" smtClean="0"/>
-              <a:t>2018/10/18</a:t>
+              <a:t>2018/11/1</a:t>
             </a:fld>
             <a:endParaRPr lang="zh-CN" altLang="en-US"/>
           </a:p>
@@ -2357,7 +2357,7 @@
           <a:p>
             <a:fld id="{09905CEA-3EA2-40F4-B7FC-EF360F2B0BDF}" type="datetimeFigureOut">
               <a:rPr lang="zh-CN" altLang="en-US" smtClean="0"/>
-              <a:t>2018/10/18</a:t>
+              <a:t>2018/11/1</a:t>
             </a:fld>
             <a:endParaRPr lang="zh-CN" altLang="en-US"/>
           </a:p>
@@ -2570,7 +2570,7 @@
           <a:p>
             <a:fld id="{09905CEA-3EA2-40F4-B7FC-EF360F2B0BDF}" type="datetimeFigureOut">
               <a:rPr lang="zh-CN" altLang="en-US" smtClean="0"/>
-              <a:t>2018/10/18</a:t>
+              <a:t>2018/11/1</a:t>
             </a:fld>
             <a:endParaRPr lang="zh-CN" altLang="en-US"/>
           </a:p>
@@ -3245,15 +3245,7 @@
           <a:p>
             <a:r>
               <a:rPr lang="zh-CN" altLang="en-US" dirty="0" smtClean="0"/>
-              <a:t>其它</a:t>
-            </a:r>
-            <a:r>
-              <a:rPr lang="zh-CN" altLang="en-US" dirty="0" smtClean="0"/>
-              <a:t>同学</a:t>
-            </a:r>
-            <a:r>
-              <a:rPr lang="zh-CN" altLang="en-US" dirty="0" smtClean="0"/>
-              <a:t>打分占</a:t>
+              <a:t>其它同学打分占</a:t>
             </a:r>
             <a:r>
               <a:rPr lang="en-US" altLang="zh-CN" dirty="0"/>
@@ -3631,15 +3623,35 @@
             </a:pPr>
             <a:r>
               <a:rPr lang="en-US" altLang="zh-CN" dirty="0" smtClean="0"/>
-              <a:t>		GO(A)=min(10, 10G(B)/B</a:t>
+              <a:t>		GO(A)=min(10, </a:t>
+            </a:r>
+            <a:r>
+              <a:rPr lang="en-US" altLang="zh-CN" dirty="0" smtClean="0"/>
+              <a:t>3TS(B</a:t>
+            </a:r>
+            <a:r>
+              <a:rPr lang="en-US" altLang="zh-CN" dirty="0" smtClean="0"/>
+              <a:t>)/B</a:t>
             </a:r>
             <a:r>
               <a:rPr lang="zh-CN" altLang="en-US" dirty="0" smtClean="0"/>
               <a:t>的总得票数</a:t>
             </a:r>
             <a:r>
-              <a:rPr lang="en-US" altLang="zh-CN" dirty="0" smtClean="0"/>
-              <a:t>+10G(C)/C</a:t>
+              <a:rPr lang="en-US" altLang="zh-CN" smtClean="0"/>
+              <a:t>+</a:t>
+            </a:r>
+            <a:r>
+              <a:rPr lang="en-US" altLang="zh-CN" dirty="0" smtClean="0"/>
+              <a:t>3</a:t>
+            </a:r>
+            <a:r>
+              <a:rPr lang="en-US" altLang="zh-CN" smtClean="0"/>
+              <a:t>TS(C</a:t>
+            </a:r>
+            <a:r>
+              <a:rPr lang="en-US" altLang="zh-CN" dirty="0" smtClean="0"/>
+              <a:t>)/C</a:t>
             </a:r>
             <a:r>
               <a:rPr lang="zh-CN" altLang="en-US" dirty="0" smtClean="0"/>
@@ -3943,11 +3955,7 @@
             </a:pPr>
             <a:r>
               <a:rPr lang="zh-CN" altLang="en-US" dirty="0" smtClean="0"/>
-              <a:t>雷霆</a:t>
-            </a:r>
-            <a:r>
-              <a:rPr lang="zh-CN" altLang="en-US" dirty="0" smtClean="0"/>
-              <a:t>战机</a:t>
+              <a:t>雷霆战机</a:t>
             </a:r>
             <a:endParaRPr lang="en-US" altLang="zh-CN" dirty="0" smtClean="0"/>
           </a:p>
@@ -4239,11 +4247,7 @@
           <a:p>
             <a:r>
               <a:rPr lang="zh-CN" altLang="en-US" dirty="0" smtClean="0"/>
-              <a:t>邮件</a:t>
-            </a:r>
-            <a:r>
-              <a:rPr lang="zh-CN" altLang="en-US" dirty="0" smtClean="0"/>
-              <a:t>客户端</a:t>
+              <a:t>邮件客户端</a:t>
             </a:r>
             <a:endParaRPr lang="zh-CN" altLang="en-US" dirty="0"/>
           </a:p>

--- a/project/project.pptx
+++ b/project/project.pptx
@@ -249,7 +249,7 @@
           <a:p>
             <a:fld id="{09905CEA-3EA2-40F4-B7FC-EF360F2B0BDF}" type="datetimeFigureOut">
               <a:rPr lang="zh-CN" altLang="en-US" smtClean="0"/>
-              <a:t>2018/11/1</a:t>
+              <a:t>2018/11/14</a:t>
             </a:fld>
             <a:endParaRPr lang="zh-CN" altLang="en-US"/>
           </a:p>
@@ -419,7 +419,7 @@
           <a:p>
             <a:fld id="{09905CEA-3EA2-40F4-B7FC-EF360F2B0BDF}" type="datetimeFigureOut">
               <a:rPr lang="zh-CN" altLang="en-US" smtClean="0"/>
-              <a:t>2018/11/1</a:t>
+              <a:t>2018/11/14</a:t>
             </a:fld>
             <a:endParaRPr lang="zh-CN" altLang="en-US"/>
           </a:p>
@@ -599,7 +599,7 @@
           <a:p>
             <a:fld id="{09905CEA-3EA2-40F4-B7FC-EF360F2B0BDF}" type="datetimeFigureOut">
               <a:rPr lang="zh-CN" altLang="en-US" smtClean="0"/>
-              <a:t>2018/11/1</a:t>
+              <a:t>2018/11/14</a:t>
             </a:fld>
             <a:endParaRPr lang="zh-CN" altLang="en-US"/>
           </a:p>
@@ -769,7 +769,7 @@
           <a:p>
             <a:fld id="{09905CEA-3EA2-40F4-B7FC-EF360F2B0BDF}" type="datetimeFigureOut">
               <a:rPr lang="zh-CN" altLang="en-US" smtClean="0"/>
-              <a:t>2018/11/1</a:t>
+              <a:t>2018/11/14</a:t>
             </a:fld>
             <a:endParaRPr lang="zh-CN" altLang="en-US"/>
           </a:p>
@@ -1015,7 +1015,7 @@
           <a:p>
             <a:fld id="{09905CEA-3EA2-40F4-B7FC-EF360F2B0BDF}" type="datetimeFigureOut">
               <a:rPr lang="zh-CN" altLang="en-US" smtClean="0"/>
-              <a:t>2018/11/1</a:t>
+              <a:t>2018/11/14</a:t>
             </a:fld>
             <a:endParaRPr lang="zh-CN" altLang="en-US"/>
           </a:p>
@@ -1247,7 +1247,7 @@
           <a:p>
             <a:fld id="{09905CEA-3EA2-40F4-B7FC-EF360F2B0BDF}" type="datetimeFigureOut">
               <a:rPr lang="zh-CN" altLang="en-US" smtClean="0"/>
-              <a:t>2018/11/1</a:t>
+              <a:t>2018/11/14</a:t>
             </a:fld>
             <a:endParaRPr lang="zh-CN" altLang="en-US"/>
           </a:p>
@@ -1614,7 +1614,7 @@
           <a:p>
             <a:fld id="{09905CEA-3EA2-40F4-B7FC-EF360F2B0BDF}" type="datetimeFigureOut">
               <a:rPr lang="zh-CN" altLang="en-US" smtClean="0"/>
-              <a:t>2018/11/1</a:t>
+              <a:t>2018/11/14</a:t>
             </a:fld>
             <a:endParaRPr lang="zh-CN" altLang="en-US"/>
           </a:p>
@@ -1732,7 +1732,7 @@
           <a:p>
             <a:fld id="{09905CEA-3EA2-40F4-B7FC-EF360F2B0BDF}" type="datetimeFigureOut">
               <a:rPr lang="zh-CN" altLang="en-US" smtClean="0"/>
-              <a:t>2018/11/1</a:t>
+              <a:t>2018/11/14</a:t>
             </a:fld>
             <a:endParaRPr lang="zh-CN" altLang="en-US"/>
           </a:p>
@@ -1827,7 +1827,7 @@
           <a:p>
             <a:fld id="{09905CEA-3EA2-40F4-B7FC-EF360F2B0BDF}" type="datetimeFigureOut">
               <a:rPr lang="zh-CN" altLang="en-US" smtClean="0"/>
-              <a:t>2018/11/1</a:t>
+              <a:t>2018/11/14</a:t>
             </a:fld>
             <a:endParaRPr lang="zh-CN" altLang="en-US"/>
           </a:p>
@@ -2104,7 +2104,7 @@
           <a:p>
             <a:fld id="{09905CEA-3EA2-40F4-B7FC-EF360F2B0BDF}" type="datetimeFigureOut">
               <a:rPr lang="zh-CN" altLang="en-US" smtClean="0"/>
-              <a:t>2018/11/1</a:t>
+              <a:t>2018/11/14</a:t>
             </a:fld>
             <a:endParaRPr lang="zh-CN" altLang="en-US"/>
           </a:p>
@@ -2357,7 +2357,7 @@
           <a:p>
             <a:fld id="{09905CEA-3EA2-40F4-B7FC-EF360F2B0BDF}" type="datetimeFigureOut">
               <a:rPr lang="zh-CN" altLang="en-US" smtClean="0"/>
-              <a:t>2018/11/1</a:t>
+              <a:t>2018/11/14</a:t>
             </a:fld>
             <a:endParaRPr lang="zh-CN" altLang="en-US"/>
           </a:p>
@@ -2570,7 +2570,7 @@
           <a:p>
             <a:fld id="{09905CEA-3EA2-40F4-B7FC-EF360F2B0BDF}" type="datetimeFigureOut">
               <a:rPr lang="zh-CN" altLang="en-US" smtClean="0"/>
-              <a:t>2018/11/1</a:t>
+              <a:t>2018/11/14</a:t>
             </a:fld>
             <a:endParaRPr lang="zh-CN" altLang="en-US"/>
           </a:p>
@@ -3409,7 +3409,27 @@
             </a:r>
             <a:r>
               <a:rPr lang="zh-CN" altLang="en-US" dirty="0" smtClean="0"/>
-              <a:t>票。</a:t>
+              <a:t>票</a:t>
+            </a:r>
+            <a:r>
+              <a:rPr lang="en-US" altLang="zh-CN" dirty="0" smtClean="0"/>
+              <a:t>(</a:t>
+            </a:r>
+            <a:r>
+              <a:rPr lang="zh-CN" altLang="en-US" dirty="0" smtClean="0">
+                <a:solidFill>
+                  <a:srgbClr val="FF0000"/>
+                </a:solidFill>
+              </a:rPr>
+              <a:t>不能自己所在的组投票</a:t>
+            </a:r>
+            <a:r>
+              <a:rPr lang="en-US" altLang="zh-CN" dirty="0" smtClean="0"/>
+              <a:t>)</a:t>
+            </a:r>
+            <a:r>
+              <a:rPr lang="zh-CN" altLang="en-US" dirty="0" smtClean="0"/>
+              <a:t>。</a:t>
             </a:r>
             <a:endParaRPr lang="en-US" altLang="zh-CN" dirty="0" smtClean="0"/>
           </a:p>
@@ -3623,35 +3643,15 @@
             </a:pPr>
             <a:r>
               <a:rPr lang="en-US" altLang="zh-CN" dirty="0" smtClean="0"/>
-              <a:t>		GO(A)=min(10, </a:t>
-            </a:r>
-            <a:r>
-              <a:rPr lang="en-US" altLang="zh-CN" dirty="0" smtClean="0"/>
-              <a:t>3TS(B</a:t>
-            </a:r>
-            <a:r>
-              <a:rPr lang="en-US" altLang="zh-CN" dirty="0" smtClean="0"/>
-              <a:t>)/B</a:t>
+              <a:t>		GO(A)=min(10, 3TS(B)/B</a:t>
             </a:r>
             <a:r>
               <a:rPr lang="zh-CN" altLang="en-US" dirty="0" smtClean="0"/>
               <a:t>的总得票数</a:t>
             </a:r>
             <a:r>
-              <a:rPr lang="en-US" altLang="zh-CN" smtClean="0"/>
-              <a:t>+</a:t>
-            </a:r>
-            <a:r>
-              <a:rPr lang="en-US" altLang="zh-CN" dirty="0" smtClean="0"/>
-              <a:t>3</a:t>
-            </a:r>
-            <a:r>
-              <a:rPr lang="en-US" altLang="zh-CN" smtClean="0"/>
-              <a:t>TS(C</a:t>
-            </a:r>
-            <a:r>
-              <a:rPr lang="en-US" altLang="zh-CN" dirty="0" smtClean="0"/>
-              <a:t>)/C</a:t>
+              <a:rPr lang="en-US" altLang="zh-CN" dirty="0" smtClean="0"/>
+              <a:t>+3TS(C)/C</a:t>
             </a:r>
             <a:r>
               <a:rPr lang="zh-CN" altLang="en-US" dirty="0" smtClean="0"/>
